--- a/Folien/00_Logistik.pptx
+++ b/Folien/00_Logistik.pptx
@@ -4764,8 +4764,21 @@
           <a:p>
             <a:r>
               <a:rPr lang="de-DE" dirty="0"/>
-              <a:t>IT-folks – wer sind wir</a:t>
-            </a:r>
+              <a:t>IT-folks – wer sind wir </a:t>
+            </a:r>
+            <a:r>
+              <a:rPr lang="de-DE" dirty="0">
+                <a:hlinkClick r:id="rId3"/>
+              </a:rPr>
+              <a:t>https://</a:t>
+            </a:r>
+            <a:r>
+              <a:rPr lang="de-DE" dirty="0" err="1">
+                <a:hlinkClick r:id="rId3"/>
+              </a:rPr>
+              <a:t>it-folks.de</a:t>
+            </a:r>
+            <a:endParaRPr lang="de-DE" dirty="0"/>
           </a:p>
           <a:p>
             <a:r>
@@ -4822,7 +4835,7 @@
             <a:pPr lvl="1"/>
             <a:r>
               <a:rPr lang="de-DE" u="sng" dirty="0">
-                <a:hlinkClick r:id="rId3"/>
+                <a:hlinkClick r:id="rId4"/>
               </a:rPr>
               <a:t>https://github.com/IT-folks/Arduino-IoT-Cloud-Deutsch</a:t>
             </a:r>
@@ -6107,12 +6120,6 @@
 </file>
 
 <file path=customXml/item1.xml><?xml version="1.0" encoding="utf-8"?>
-<p:properties xmlns:p="http://schemas.microsoft.com/office/2006/metadata/properties" xmlns:xsi="http://www.w3.org/2001/XMLSchema-instance" xmlns:pc="http://schemas.microsoft.com/office/infopath/2007/PartnerControls">
-  <documentManagement/>
-</p:properties>
-</file>
-
-<file path=customXml/item2.xml><?xml version="1.0" encoding="utf-8"?>
 <ct:contentTypeSchema xmlns:ct="http://schemas.microsoft.com/office/2006/metadata/contentType" xmlns:ma="http://schemas.microsoft.com/office/2006/metadata/properties/metaAttributes" ct:_="" ma:_="" ma:contentTypeName="Document" ma:contentTypeID="0x010100B4B9B92454B73847AA0367335585965E" ma:contentTypeVersion="12" ma:contentTypeDescription="Create a new document." ma:contentTypeScope="" ma:versionID="e03bd757301da460c704f3115d541a61">
   <xsd:schema xmlns:xsd="http://www.w3.org/2001/XMLSchema" xmlns:xs="http://www.w3.org/2001/XMLSchema" xmlns:p="http://schemas.microsoft.com/office/2006/metadata/properties" xmlns:ns2="7e0397fa-c04e-494e-b1f1-774ad14ae133" xmlns:ns3="8413540a-1bb6-4053-94a1-f89835fea1c0" targetNamespace="http://schemas.microsoft.com/office/2006/metadata/properties" ma:root="true" ma:fieldsID="8a43826bbb8ef7d01dc3ce4144ed7f57" ns2:_="" ns3:_="">
     <xsd:import namespace="7e0397fa-c04e-494e-b1f1-774ad14ae133"/>
@@ -6329,6 +6336,12 @@
 </ct:contentTypeSchema>
 </file>
 
+<file path=customXml/item2.xml><?xml version="1.0" encoding="utf-8"?>
+<p:properties xmlns:p="http://schemas.microsoft.com/office/2006/metadata/properties" xmlns:xsi="http://www.w3.org/2001/XMLSchema-instance" xmlns:pc="http://schemas.microsoft.com/office/infopath/2007/PartnerControls">
+  <documentManagement/>
+</p:properties>
+</file>
+
 <file path=customXml/item3.xml><?xml version="1.0" encoding="utf-8"?>
 <?mso-contentType ?>
 <FormTemplates xmlns="http://schemas.microsoft.com/sharepoint/v3/contenttype/forms">
@@ -6339,23 +6352,6 @@
 </file>
 
 <file path=customXml/itemProps1.xml><?xml version="1.0" encoding="utf-8"?>
-<ds:datastoreItem xmlns:ds="http://schemas.openxmlformats.org/officeDocument/2006/customXml" ds:itemID="{68B22CCF-3790-4DAF-9B94-BBE8105DACDB}">
-  <ds:schemaRefs>
-    <ds:schemaRef ds:uri="http://purl.org/dc/elements/1.1/"/>
-    <ds:schemaRef ds:uri="http://schemas.openxmlformats.org/package/2006/metadata/core-properties"/>
-    <ds:schemaRef ds:uri="http://schemas.microsoft.com/office/2006/documentManagement/types"/>
-    <ds:schemaRef ds:uri="7e0397fa-c04e-494e-b1f1-774ad14ae133"/>
-    <ds:schemaRef ds:uri="http://www.w3.org/XML/1998/namespace"/>
-    <ds:schemaRef ds:uri="http://schemas.microsoft.com/office/infopath/2007/PartnerControls"/>
-    <ds:schemaRef ds:uri="http://purl.org/dc/dcmitype/"/>
-    <ds:schemaRef ds:uri="8413540a-1bb6-4053-94a1-f89835fea1c0"/>
-    <ds:schemaRef ds:uri="http://schemas.microsoft.com/office/2006/metadata/properties"/>
-    <ds:schemaRef ds:uri="http://purl.org/dc/terms/"/>
-  </ds:schemaRefs>
-</ds:datastoreItem>
-</file>
-
-<file path=customXml/itemProps2.xml><?xml version="1.0" encoding="utf-8"?>
 <ds:datastoreItem xmlns:ds="http://schemas.openxmlformats.org/officeDocument/2006/customXml" ds:itemID="{A66B1A69-4B86-4CD0-9260-0F88A0083DD6}">
   <ds:schemaRefs>
     <ds:schemaRef ds:uri="http://schemas.microsoft.com/office/2006/metadata/contentType"/>
@@ -6374,6 +6370,23 @@
 </ds:datastoreItem>
 </file>
 
+<file path=customXml/itemProps2.xml><?xml version="1.0" encoding="utf-8"?>
+<ds:datastoreItem xmlns:ds="http://schemas.openxmlformats.org/officeDocument/2006/customXml" ds:itemID="{68B22CCF-3790-4DAF-9B94-BBE8105DACDB}">
+  <ds:schemaRefs>
+    <ds:schemaRef ds:uri="http://purl.org/dc/elements/1.1/"/>
+    <ds:schemaRef ds:uri="http://schemas.openxmlformats.org/package/2006/metadata/core-properties"/>
+    <ds:schemaRef ds:uri="http://schemas.microsoft.com/office/2006/documentManagement/types"/>
+    <ds:schemaRef ds:uri="7e0397fa-c04e-494e-b1f1-774ad14ae133"/>
+    <ds:schemaRef ds:uri="http://www.w3.org/XML/1998/namespace"/>
+    <ds:schemaRef ds:uri="http://schemas.microsoft.com/office/infopath/2007/PartnerControls"/>
+    <ds:schemaRef ds:uri="http://purl.org/dc/dcmitype/"/>
+    <ds:schemaRef ds:uri="8413540a-1bb6-4053-94a1-f89835fea1c0"/>
+    <ds:schemaRef ds:uri="http://schemas.microsoft.com/office/2006/metadata/properties"/>
+    <ds:schemaRef ds:uri="http://purl.org/dc/terms/"/>
+  </ds:schemaRefs>
+</ds:datastoreItem>
+</file>
+
 <file path=customXml/itemProps3.xml><?xml version="1.0" encoding="utf-8"?>
 <ds:datastoreItem xmlns:ds="http://schemas.openxmlformats.org/officeDocument/2006/customXml" ds:itemID="{19285E5B-5F99-40AB-B4B4-B67FE3E29063}">
   <ds:schemaRefs>

--- a/Folien/00_Logistik.pptx
+++ b/Folien/00_Logistik.pptx
@@ -5,16 +5,17 @@
     <p:sldMasterId id="2147483648" r:id="rId4"/>
   </p:sldMasterIdLst>
   <p:notesMasterIdLst>
-    <p:notesMasterId r:id="rId12"/>
+    <p:notesMasterId r:id="rId13"/>
   </p:notesMasterIdLst>
   <p:sldIdLst>
     <p:sldId id="291" r:id="rId5"/>
     <p:sldId id="292" r:id="rId6"/>
-    <p:sldId id="318" r:id="rId7"/>
-    <p:sldId id="319" r:id="rId8"/>
-    <p:sldId id="316" r:id="rId9"/>
-    <p:sldId id="317" r:id="rId10"/>
-    <p:sldId id="315" r:id="rId11"/>
+    <p:sldId id="320" r:id="rId7"/>
+    <p:sldId id="318" r:id="rId8"/>
+    <p:sldId id="319" r:id="rId9"/>
+    <p:sldId id="316" r:id="rId10"/>
+    <p:sldId id="317" r:id="rId11"/>
+    <p:sldId id="315" r:id="rId12"/>
   </p:sldIdLst>
   <p:sldSz cx="12192000" cy="6858000"/>
   <p:notesSz cx="6858000" cy="9144000"/>
@@ -203,7 +204,7 @@
           <a:p>
             <a:fld id="{1111EAE3-0D17-7D4D-B5C8-7430D3A14508}" type="datetimeFigureOut">
               <a:rPr lang="en-US" smtClean="0"/>
-              <a:t>12/7/22</a:t>
+              <a:t>12/9/22</a:t>
             </a:fld>
             <a:endParaRPr lang="en-US"/>
           </a:p>
@@ -704,7 +705,7 @@
           <a:p>
             <a:fld id="{AD1D79F6-C8AD-5749-9DE6-19634A2965BA}" type="slidenum">
               <a:rPr lang="en-US" smtClean="0"/>
-              <a:t>5</a:t>
+              <a:t>6</a:t>
             </a:fld>
             <a:endParaRPr lang="en-US"/>
           </a:p>
@@ -799,7 +800,7 @@
           <a:p>
             <a:fld id="{AD1D79F6-C8AD-5749-9DE6-19634A2965BA}" type="slidenum">
               <a:rPr lang="en-US" smtClean="0"/>
-              <a:t>6</a:t>
+              <a:t>7</a:t>
             </a:fld>
             <a:endParaRPr lang="en-US"/>
           </a:p>
@@ -883,7 +884,7 @@
           <a:p>
             <a:fld id="{AD1D79F6-C8AD-5749-9DE6-19634A2965BA}" type="slidenum">
               <a:rPr lang="en-US" smtClean="0"/>
-              <a:t>7</a:t>
+              <a:t>8</a:t>
             </a:fld>
             <a:endParaRPr lang="en-US"/>
           </a:p>
@@ -1049,7 +1050,7 @@
           <a:p>
             <a:fld id="{46878720-212C-42BB-B356-99628BFE1EBF}" type="datetimeFigureOut">
               <a:rPr lang="en-US" smtClean="0"/>
-              <a:t>12/7/22</a:t>
+              <a:t>12/9/22</a:t>
             </a:fld>
             <a:endParaRPr lang="en-US"/>
           </a:p>
@@ -1247,7 +1248,7 @@
           <a:p>
             <a:fld id="{46878720-212C-42BB-B356-99628BFE1EBF}" type="datetimeFigureOut">
               <a:rPr lang="en-US" smtClean="0"/>
-              <a:t>12/7/22</a:t>
+              <a:t>12/9/22</a:t>
             </a:fld>
             <a:endParaRPr lang="en-US"/>
           </a:p>
@@ -1455,7 +1456,7 @@
           <a:p>
             <a:fld id="{46878720-212C-42BB-B356-99628BFE1EBF}" type="datetimeFigureOut">
               <a:rPr lang="en-US" smtClean="0"/>
-              <a:t>12/7/22</a:t>
+              <a:t>12/9/22</a:t>
             </a:fld>
             <a:endParaRPr lang="en-US"/>
           </a:p>
@@ -1653,7 +1654,7 @@
           <a:p>
             <a:fld id="{46878720-212C-42BB-B356-99628BFE1EBF}" type="datetimeFigureOut">
               <a:rPr lang="en-US" smtClean="0"/>
-              <a:t>12/7/22</a:t>
+              <a:t>12/9/22</a:t>
             </a:fld>
             <a:endParaRPr lang="en-US"/>
           </a:p>
@@ -1928,7 +1929,7 @@
           <a:p>
             <a:fld id="{46878720-212C-42BB-B356-99628BFE1EBF}" type="datetimeFigureOut">
               <a:rPr lang="en-US" smtClean="0"/>
-              <a:t>12/7/22</a:t>
+              <a:t>12/9/22</a:t>
             </a:fld>
             <a:endParaRPr lang="en-US"/>
           </a:p>
@@ -2193,7 +2194,7 @@
           <a:p>
             <a:fld id="{46878720-212C-42BB-B356-99628BFE1EBF}" type="datetimeFigureOut">
               <a:rPr lang="en-US" smtClean="0"/>
-              <a:t>12/7/22</a:t>
+              <a:t>12/9/22</a:t>
             </a:fld>
             <a:endParaRPr lang="en-US"/>
           </a:p>
@@ -2605,7 +2606,7 @@
           <a:p>
             <a:fld id="{46878720-212C-42BB-B356-99628BFE1EBF}" type="datetimeFigureOut">
               <a:rPr lang="en-US" smtClean="0"/>
-              <a:t>12/7/22</a:t>
+              <a:t>12/9/22</a:t>
             </a:fld>
             <a:endParaRPr lang="en-US"/>
           </a:p>
@@ -2746,7 +2747,7 @@
           <a:p>
             <a:fld id="{46878720-212C-42BB-B356-99628BFE1EBF}" type="datetimeFigureOut">
               <a:rPr lang="en-US" smtClean="0"/>
-              <a:t>12/7/22</a:t>
+              <a:t>12/9/22</a:t>
             </a:fld>
             <a:endParaRPr lang="en-US"/>
           </a:p>
@@ -2859,7 +2860,7 @@
           <a:p>
             <a:fld id="{46878720-212C-42BB-B356-99628BFE1EBF}" type="datetimeFigureOut">
               <a:rPr lang="en-US" smtClean="0"/>
-              <a:t>12/7/22</a:t>
+              <a:t>12/9/22</a:t>
             </a:fld>
             <a:endParaRPr lang="en-US"/>
           </a:p>
@@ -3170,7 +3171,7 @@
           <a:p>
             <a:fld id="{46878720-212C-42BB-B356-99628BFE1EBF}" type="datetimeFigureOut">
               <a:rPr lang="en-US" smtClean="0"/>
-              <a:t>12/7/22</a:t>
+              <a:t>12/9/22</a:t>
             </a:fld>
             <a:endParaRPr lang="en-US"/>
           </a:p>
@@ -3458,7 +3459,7 @@
           <a:p>
             <a:fld id="{46878720-212C-42BB-B356-99628BFE1EBF}" type="datetimeFigureOut">
               <a:rPr lang="en-US" smtClean="0"/>
-              <a:t>12/7/22</a:t>
+              <a:t>12/9/22</a:t>
             </a:fld>
             <a:endParaRPr lang="en-US"/>
           </a:p>
@@ -3699,7 +3700,7 @@
           <a:p>
             <a:fld id="{46878720-212C-42BB-B356-99628BFE1EBF}" type="datetimeFigureOut">
               <a:rPr lang="en-US" smtClean="0"/>
-              <a:t>12/7/22</a:t>
+              <a:t>12/9/22</a:t>
             </a:fld>
             <a:endParaRPr lang="en-US"/>
           </a:p>
@@ -4881,7 +4882,7 @@
           <p:cNvPr id="2" name="Titel 1">
             <a:extLst>
               <a:ext uri="{FF2B5EF4-FFF2-40B4-BE49-F238E27FC236}">
-                <a16:creationId xmlns:a16="http://schemas.microsoft.com/office/drawing/2014/main" id="{95F51276-E1CF-39F3-FA56-7547537EC986}"/>
+                <a16:creationId xmlns:a16="http://schemas.microsoft.com/office/drawing/2014/main" id="{0631CBC3-473D-DE1A-699E-2934788926B8}"/>
               </a:ext>
             </a:extLst>
           </p:cNvPr>
@@ -4899,84 +4900,84 @@
           <a:p>
             <a:r>
               <a:rPr lang="de-DE" dirty="0"/>
-              <a:t>Was brauchen wir	</a:t>
-            </a:r>
-          </a:p>
-        </p:txBody>
-      </p:sp>
-      <p:sp>
-        <p:nvSpPr>
-          <p:cNvPr id="3" name="Inhaltsplatzhalter 2">
-            <a:extLst>
-              <a:ext uri="{FF2B5EF4-FFF2-40B4-BE49-F238E27FC236}">
-                <a16:creationId xmlns:a16="http://schemas.microsoft.com/office/drawing/2014/main" id="{2E4618C0-CC1B-6B98-0656-329E9C46D100}"/>
-              </a:ext>
-            </a:extLst>
-          </p:cNvPr>
-          <p:cNvSpPr>
-            <a:spLocks noGrp="1"/>
-          </p:cNvSpPr>
-          <p:nvPr>
-            <p:ph idx="1"/>
-          </p:nvPr>
-        </p:nvSpPr>
+              <a:t>Kursunterlagen</a:t>
+            </a:r>
+          </a:p>
+        </p:txBody>
+      </p:sp>
+      <p:pic>
+        <p:nvPicPr>
+          <p:cNvPr id="4" name="Grafik 3">
+            <a:extLst>
+              <a:ext uri="{FF2B5EF4-FFF2-40B4-BE49-F238E27FC236}">
+                <a16:creationId xmlns:a16="http://schemas.microsoft.com/office/drawing/2014/main" id="{0F079DAB-275D-52F0-4EE2-A59C071040BA}"/>
+              </a:ext>
+            </a:extLst>
+          </p:cNvPr>
+          <p:cNvPicPr>
+            <a:picLocks noChangeAspect="1"/>
+          </p:cNvPicPr>
+          <p:nvPr/>
+        </p:nvPicPr>
+        <p:blipFill>
+          <a:blip r:embed="rId2"/>
+          <a:stretch>
+            <a:fillRect/>
+          </a:stretch>
+        </p:blipFill>
         <p:spPr>
           <a:xfrm>
-            <a:off x="838200" y="1690688"/>
-            <a:ext cx="10515600" cy="4351338"/>
+            <a:off x="3632200" y="2146300"/>
+            <a:ext cx="3810000" cy="3810000"/>
           </a:xfrm>
+          <a:prstGeom prst="rect">
+            <a:avLst/>
+          </a:prstGeom>
         </p:spPr>
-        <p:txBody>
-          <a:bodyPr/>
-          <a:lstStyle/>
-          <a:p>
-            <a:r>
-              <a:rPr lang="de-DE" dirty="0"/>
-              <a:t>Arduino RP2040 Connect mit Header (wird gestellt)</a:t>
-            </a:r>
-          </a:p>
-          <a:p>
-            <a:r>
-              <a:rPr lang="de-DE" dirty="0"/>
-              <a:t>Grove Connector (wird gestellt)</a:t>
-            </a:r>
-          </a:p>
-          <a:p>
-            <a:r>
-              <a:rPr lang="de-DE" dirty="0"/>
-              <a:t>USB-A nach Micro-USB Kabel (wird gestellt)</a:t>
-            </a:r>
-          </a:p>
-          <a:p>
-            <a:r>
-              <a:rPr lang="de-DE" dirty="0"/>
-              <a:t>Eventuell eigene Sensoren (mit Grove Connector aus dem Sensor Kit)</a:t>
-            </a:r>
-          </a:p>
-          <a:p>
-            <a:r>
-              <a:rPr lang="de-DE" dirty="0"/>
-              <a:t>Email Konto mit Zugang über Web oder Handy (bei Bedarf erstellen wir einen Google Account mit Gmail)</a:t>
-            </a:r>
-          </a:p>
-          <a:p>
-            <a:r>
-              <a:rPr lang="de-DE" dirty="0"/>
-              <a:t>Arduino Konto (erstellen wir bei Bedarf gemeinsam)</a:t>
-            </a:r>
-          </a:p>
-          <a:p>
-            <a:r>
-              <a:rPr lang="de-DE" dirty="0"/>
-              <a:t>Google Konto (erstellen wir bei Bedarf gemeinsam)</a:t>
-            </a:r>
+      </p:pic>
+      <p:sp>
+        <p:nvSpPr>
+          <p:cNvPr id="6" name="Textfeld 5">
+            <a:extLst>
+              <a:ext uri="{FF2B5EF4-FFF2-40B4-BE49-F238E27FC236}">
+                <a16:creationId xmlns:a16="http://schemas.microsoft.com/office/drawing/2014/main" id="{4C52B9D7-D89E-F1E7-E106-38DEA00D8DD4}"/>
+              </a:ext>
+            </a:extLst>
+          </p:cNvPr>
+          <p:cNvSpPr txBox="1"/>
+          <p:nvPr/>
+        </p:nvSpPr>
+        <p:spPr>
+          <a:xfrm>
+            <a:off x="2489200" y="5771634"/>
+            <a:ext cx="6096000" cy="369332"/>
+          </a:xfrm>
+          <a:prstGeom prst="rect">
+            <a:avLst/>
+          </a:prstGeom>
+          <a:noFill/>
+        </p:spPr>
+        <p:txBody>
+          <a:bodyPr wrap="square">
+            <a:spAutoFit/>
+          </a:bodyPr>
+          <a:lstStyle/>
+          <a:p>
+            <a:pPr lvl="1"/>
+            <a:r>
+              <a:rPr lang="de-DE" u="sng" dirty="0">
+                <a:hlinkClick r:id="rId3"/>
+              </a:rPr>
+              <a:t>https://github.com/IT-folks/Arduino-IoT-Cloud-Deutsch</a:t>
+            </a:r>
+            <a:endParaRPr lang="de-DE" dirty="0"/>
           </a:p>
         </p:txBody>
       </p:sp>
     </p:spTree>
     <p:extLst>
       <p:ext uri="{BB962C8B-B14F-4D97-AF65-F5344CB8AC3E}">
-        <p14:creationId xmlns:p14="http://schemas.microsoft.com/office/powerpoint/2010/main" val="1879232751"/>
+        <p14:creationId xmlns:p14="http://schemas.microsoft.com/office/powerpoint/2010/main" val="2190110336"/>
       </p:ext>
     </p:extLst>
   </p:cSld>
@@ -5026,6 +5027,133 @@
           <a:p>
             <a:r>
               <a:rPr lang="de-DE" dirty="0"/>
+              <a:t>Was brauchen wir	</a:t>
+            </a:r>
+          </a:p>
+        </p:txBody>
+      </p:sp>
+      <p:sp>
+        <p:nvSpPr>
+          <p:cNvPr id="3" name="Inhaltsplatzhalter 2">
+            <a:extLst>
+              <a:ext uri="{FF2B5EF4-FFF2-40B4-BE49-F238E27FC236}">
+                <a16:creationId xmlns:a16="http://schemas.microsoft.com/office/drawing/2014/main" id="{2E4618C0-CC1B-6B98-0656-329E9C46D100}"/>
+              </a:ext>
+            </a:extLst>
+          </p:cNvPr>
+          <p:cNvSpPr>
+            <a:spLocks noGrp="1"/>
+          </p:cNvSpPr>
+          <p:nvPr>
+            <p:ph idx="1"/>
+          </p:nvPr>
+        </p:nvSpPr>
+        <p:spPr>
+          <a:xfrm>
+            <a:off x="838200" y="1690688"/>
+            <a:ext cx="10515600" cy="4351338"/>
+          </a:xfrm>
+        </p:spPr>
+        <p:txBody>
+          <a:bodyPr/>
+          <a:lstStyle/>
+          <a:p>
+            <a:r>
+              <a:rPr lang="de-DE" dirty="0"/>
+              <a:t>Arduino RP2040 Connect mit Header (wird gestellt)</a:t>
+            </a:r>
+          </a:p>
+          <a:p>
+            <a:r>
+              <a:rPr lang="de-DE" dirty="0"/>
+              <a:t>Grove Connector (wird gestellt)</a:t>
+            </a:r>
+          </a:p>
+          <a:p>
+            <a:r>
+              <a:rPr lang="de-DE" dirty="0"/>
+              <a:t>USB-A nach Micro-USB Kabel (wird gestellt)</a:t>
+            </a:r>
+          </a:p>
+          <a:p>
+            <a:r>
+              <a:rPr lang="de-DE" dirty="0"/>
+              <a:t>Eventuell eigene Sensoren (mit Grove Connector aus dem Sensor Kit)</a:t>
+            </a:r>
+          </a:p>
+          <a:p>
+            <a:r>
+              <a:rPr lang="de-DE" dirty="0"/>
+              <a:t>Email Konto mit Zugang über Web oder Handy (bei Bedarf erstellen wir einen Google Account mit Gmail)</a:t>
+            </a:r>
+          </a:p>
+          <a:p>
+            <a:r>
+              <a:rPr lang="de-DE" dirty="0"/>
+              <a:t>Arduino Konto (erstellen wir bei Bedarf gemeinsam)</a:t>
+            </a:r>
+          </a:p>
+          <a:p>
+            <a:r>
+              <a:rPr lang="de-DE" dirty="0"/>
+              <a:t>Google Konto (erstellen wir bei Bedarf gemeinsam)</a:t>
+            </a:r>
+          </a:p>
+        </p:txBody>
+      </p:sp>
+    </p:spTree>
+    <p:extLst>
+      <p:ext uri="{BB962C8B-B14F-4D97-AF65-F5344CB8AC3E}">
+        <p14:creationId xmlns:p14="http://schemas.microsoft.com/office/powerpoint/2010/main" val="1879232751"/>
+      </p:ext>
+    </p:extLst>
+  </p:cSld>
+  <p:clrMapOvr>
+    <a:masterClrMapping/>
+  </p:clrMapOvr>
+</p:sld>
+</file>
+
+<file path=ppt/slides/slide5.xml><?xml version="1.0" encoding="utf-8"?>
+<p:sld xmlns:a="http://schemas.openxmlformats.org/drawingml/2006/main" xmlns:r="http://schemas.openxmlformats.org/officeDocument/2006/relationships" xmlns:p="http://schemas.openxmlformats.org/presentationml/2006/main">
+  <p:cSld>
+    <p:spTree>
+      <p:nvGrpSpPr>
+        <p:cNvPr id="1" name=""/>
+        <p:cNvGrpSpPr/>
+        <p:nvPr/>
+      </p:nvGrpSpPr>
+      <p:grpSpPr>
+        <a:xfrm>
+          <a:off x="0" y="0"/>
+          <a:ext cx="0" cy="0"/>
+          <a:chOff x="0" y="0"/>
+          <a:chExt cx="0" cy="0"/>
+        </a:xfrm>
+      </p:grpSpPr>
+      <p:sp>
+        <p:nvSpPr>
+          <p:cNvPr id="2" name="Titel 1">
+            <a:extLst>
+              <a:ext uri="{FF2B5EF4-FFF2-40B4-BE49-F238E27FC236}">
+                <a16:creationId xmlns:a16="http://schemas.microsoft.com/office/drawing/2014/main" id="{95F51276-E1CF-39F3-FA56-7547537EC986}"/>
+              </a:ext>
+            </a:extLst>
+          </p:cNvPr>
+          <p:cNvSpPr>
+            <a:spLocks noGrp="1"/>
+          </p:cNvSpPr>
+          <p:nvPr>
+            <p:ph type="title"/>
+          </p:nvPr>
+        </p:nvSpPr>
+        <p:spPr/>
+        <p:txBody>
+          <a:bodyPr/>
+          <a:lstStyle/>
+          <a:p>
+            <a:r>
+              <a:rPr lang="de-DE" dirty="0"/>
               <a:t>Habt ihr die Kursvoraussetzungen?	</a:t>
             </a:r>
           </a:p>
@@ -5118,7 +5246,7 @@
 </p:sld>
 </file>
 
-<file path=ppt/slides/slide5.xml><?xml version="1.0" encoding="utf-8"?>
+<file path=ppt/slides/slide6.xml><?xml version="1.0" encoding="utf-8"?>
 <p:sld xmlns:a="http://schemas.openxmlformats.org/drawingml/2006/main" xmlns:r="http://schemas.openxmlformats.org/officeDocument/2006/relationships" xmlns:p="http://schemas.openxmlformats.org/presentationml/2006/main">
   <p:cSld>
     <p:spTree>
@@ -5264,7 +5392,7 @@
 </p:sld>
 </file>
 
-<file path=ppt/slides/slide6.xml><?xml version="1.0" encoding="utf-8"?>
+<file path=ppt/slides/slide7.xml><?xml version="1.0" encoding="utf-8"?>
 <p:sld xmlns:a="http://schemas.openxmlformats.org/drawingml/2006/main" xmlns:r="http://schemas.openxmlformats.org/officeDocument/2006/relationships" xmlns:p="http://schemas.openxmlformats.org/presentationml/2006/main">
   <p:cSld>
     <p:spTree>
@@ -5380,7 +5508,7 @@
 </p:sld>
 </file>
 
-<file path=ppt/slides/slide7.xml><?xml version="1.0" encoding="utf-8"?>
+<file path=ppt/slides/slide8.xml><?xml version="1.0" encoding="utf-8"?>
 <p:sld xmlns:a="http://schemas.openxmlformats.org/drawingml/2006/main" xmlns:r="http://schemas.openxmlformats.org/officeDocument/2006/relationships" xmlns:p="http://schemas.openxmlformats.org/presentationml/2006/main">
   <p:cSld>
     <p:spTree>
@@ -6120,6 +6248,12 @@
 </file>
 
 <file path=customXml/item1.xml><?xml version="1.0" encoding="utf-8"?>
+<p:properties xmlns:p="http://schemas.microsoft.com/office/2006/metadata/properties" xmlns:xsi="http://www.w3.org/2001/XMLSchema-instance" xmlns:pc="http://schemas.microsoft.com/office/infopath/2007/PartnerControls">
+  <documentManagement/>
+</p:properties>
+</file>
+
+<file path=customXml/item2.xml><?xml version="1.0" encoding="utf-8"?>
 <ct:contentTypeSchema xmlns:ct="http://schemas.microsoft.com/office/2006/metadata/contentType" xmlns:ma="http://schemas.microsoft.com/office/2006/metadata/properties/metaAttributes" ct:_="" ma:_="" ma:contentTypeName="Document" ma:contentTypeID="0x010100B4B9B92454B73847AA0367335585965E" ma:contentTypeVersion="12" ma:contentTypeDescription="Create a new document." ma:contentTypeScope="" ma:versionID="e03bd757301da460c704f3115d541a61">
   <xsd:schema xmlns:xsd="http://www.w3.org/2001/XMLSchema" xmlns:xs="http://www.w3.org/2001/XMLSchema" xmlns:p="http://schemas.microsoft.com/office/2006/metadata/properties" xmlns:ns2="7e0397fa-c04e-494e-b1f1-774ad14ae133" xmlns:ns3="8413540a-1bb6-4053-94a1-f89835fea1c0" targetNamespace="http://schemas.microsoft.com/office/2006/metadata/properties" ma:root="true" ma:fieldsID="8a43826bbb8ef7d01dc3ce4144ed7f57" ns2:_="" ns3:_="">
     <xsd:import namespace="7e0397fa-c04e-494e-b1f1-774ad14ae133"/>
@@ -6336,12 +6470,6 @@
 </ct:contentTypeSchema>
 </file>
 
-<file path=customXml/item2.xml><?xml version="1.0" encoding="utf-8"?>
-<p:properties xmlns:p="http://schemas.microsoft.com/office/2006/metadata/properties" xmlns:xsi="http://www.w3.org/2001/XMLSchema-instance" xmlns:pc="http://schemas.microsoft.com/office/infopath/2007/PartnerControls">
-  <documentManagement/>
-</p:properties>
-</file>
-
 <file path=customXml/item3.xml><?xml version="1.0" encoding="utf-8"?>
 <?mso-contentType ?>
 <FormTemplates xmlns="http://schemas.microsoft.com/sharepoint/v3/contenttype/forms">
@@ -6352,6 +6480,23 @@
 </file>
 
 <file path=customXml/itemProps1.xml><?xml version="1.0" encoding="utf-8"?>
+<ds:datastoreItem xmlns:ds="http://schemas.openxmlformats.org/officeDocument/2006/customXml" ds:itemID="{68B22CCF-3790-4DAF-9B94-BBE8105DACDB}">
+  <ds:schemaRefs>
+    <ds:schemaRef ds:uri="http://purl.org/dc/elements/1.1/"/>
+    <ds:schemaRef ds:uri="http://schemas.openxmlformats.org/package/2006/metadata/core-properties"/>
+    <ds:schemaRef ds:uri="http://schemas.microsoft.com/office/2006/documentManagement/types"/>
+    <ds:schemaRef ds:uri="7e0397fa-c04e-494e-b1f1-774ad14ae133"/>
+    <ds:schemaRef ds:uri="http://www.w3.org/XML/1998/namespace"/>
+    <ds:schemaRef ds:uri="http://schemas.microsoft.com/office/infopath/2007/PartnerControls"/>
+    <ds:schemaRef ds:uri="http://purl.org/dc/dcmitype/"/>
+    <ds:schemaRef ds:uri="8413540a-1bb6-4053-94a1-f89835fea1c0"/>
+    <ds:schemaRef ds:uri="http://schemas.microsoft.com/office/2006/metadata/properties"/>
+    <ds:schemaRef ds:uri="http://purl.org/dc/terms/"/>
+  </ds:schemaRefs>
+</ds:datastoreItem>
+</file>
+
+<file path=customXml/itemProps2.xml><?xml version="1.0" encoding="utf-8"?>
 <ds:datastoreItem xmlns:ds="http://schemas.openxmlformats.org/officeDocument/2006/customXml" ds:itemID="{A66B1A69-4B86-4CD0-9260-0F88A0083DD6}">
   <ds:schemaRefs>
     <ds:schemaRef ds:uri="http://schemas.microsoft.com/office/2006/metadata/contentType"/>
@@ -6370,23 +6515,6 @@
 </ds:datastoreItem>
 </file>
 
-<file path=customXml/itemProps2.xml><?xml version="1.0" encoding="utf-8"?>
-<ds:datastoreItem xmlns:ds="http://schemas.openxmlformats.org/officeDocument/2006/customXml" ds:itemID="{68B22CCF-3790-4DAF-9B94-BBE8105DACDB}">
-  <ds:schemaRefs>
-    <ds:schemaRef ds:uri="http://purl.org/dc/elements/1.1/"/>
-    <ds:schemaRef ds:uri="http://schemas.openxmlformats.org/package/2006/metadata/core-properties"/>
-    <ds:schemaRef ds:uri="http://schemas.microsoft.com/office/2006/documentManagement/types"/>
-    <ds:schemaRef ds:uri="7e0397fa-c04e-494e-b1f1-774ad14ae133"/>
-    <ds:schemaRef ds:uri="http://www.w3.org/XML/1998/namespace"/>
-    <ds:schemaRef ds:uri="http://schemas.microsoft.com/office/infopath/2007/PartnerControls"/>
-    <ds:schemaRef ds:uri="http://purl.org/dc/dcmitype/"/>
-    <ds:schemaRef ds:uri="8413540a-1bb6-4053-94a1-f89835fea1c0"/>
-    <ds:schemaRef ds:uri="http://schemas.microsoft.com/office/2006/metadata/properties"/>
-    <ds:schemaRef ds:uri="http://purl.org/dc/terms/"/>
-  </ds:schemaRefs>
-</ds:datastoreItem>
-</file>
-
 <file path=customXml/itemProps3.xml><?xml version="1.0" encoding="utf-8"?>
 <ds:datastoreItem xmlns:ds="http://schemas.openxmlformats.org/officeDocument/2006/customXml" ds:itemID="{19285E5B-5F99-40AB-B4B4-B67FE3E29063}">
   <ds:schemaRefs>
